--- a/slides.pptx
+++ b/slides.pptx
@@ -215,7 +215,7 @@
           <a:p>
             <a:fld id="{D0FE861C-486B-4E18-A0E9-A790238A915C}" type="datetimeFigureOut">
               <a:rPr lang="en-US" smtClean="0"/>
-              <a:t>11/30/22</a:t>
+              <a:t>12/2/22</a:t>
             </a:fld>
             <a:endParaRPr lang="en-US"/>
           </a:p>
@@ -878,7 +878,7 @@
           <a:p>
             <a:fld id="{7BFB377E-53ED-FE4D-83F9-4165E39010D6}" type="datetimeFigureOut">
               <a:rPr lang="en-US" smtClean="0"/>
-              <a:t>11/30/22</a:t>
+              <a:t>12/2/22</a:t>
             </a:fld>
             <a:endParaRPr lang="en-US"/>
           </a:p>
@@ -1076,7 +1076,7 @@
           <a:p>
             <a:fld id="{7BFB377E-53ED-FE4D-83F9-4165E39010D6}" type="datetimeFigureOut">
               <a:rPr lang="en-US" smtClean="0"/>
-              <a:t>11/30/22</a:t>
+              <a:t>12/2/22</a:t>
             </a:fld>
             <a:endParaRPr lang="en-US"/>
           </a:p>
@@ -1284,7 +1284,7 @@
           <a:p>
             <a:fld id="{7BFB377E-53ED-FE4D-83F9-4165E39010D6}" type="datetimeFigureOut">
               <a:rPr lang="en-US" smtClean="0"/>
-              <a:t>11/30/22</a:t>
+              <a:t>12/2/22</a:t>
             </a:fld>
             <a:endParaRPr lang="en-US"/>
           </a:p>
@@ -1638,7 +1638,7 @@
             <a:fld id="{7CA65D26-67D5-4CD2-90EC-E629659F24B3}" type="datetime1">
               <a:rPr lang="en-US" smtClean="0"/>
               <a:pPr/>
-              <a:t>11/30/22</a:t>
+              <a:t>12/2/22</a:t>
             </a:fld>
             <a:endParaRPr lang="en-US" dirty="0"/>
           </a:p>
@@ -1868,7 +1868,7 @@
             <a:fld id="{7CA65D26-67D5-4CD2-90EC-E629659F24B3}" type="datetime1">
               <a:rPr lang="en-US" smtClean="0"/>
               <a:pPr/>
-              <a:t>11/30/22</a:t>
+              <a:t>12/2/22</a:t>
             </a:fld>
             <a:endParaRPr lang="en-US" dirty="0"/>
           </a:p>
@@ -2247,7 +2247,7 @@
             <a:fld id="{7CA65D26-67D5-4CD2-90EC-E629659F24B3}" type="datetime1">
               <a:rPr lang="en-US" smtClean="0"/>
               <a:pPr/>
-              <a:t>11/30/22</a:t>
+              <a:t>12/2/22</a:t>
             </a:fld>
             <a:endParaRPr lang="en-US" dirty="0"/>
           </a:p>
@@ -2626,7 +2626,7 @@
             <a:fld id="{7CA65D26-67D5-4CD2-90EC-E629659F24B3}" type="datetime1">
               <a:rPr lang="en-US" smtClean="0"/>
               <a:pPr/>
-              <a:t>11/30/22</a:t>
+              <a:t>12/2/22</a:t>
             </a:fld>
             <a:endParaRPr lang="en-US" dirty="0"/>
           </a:p>
@@ -3014,7 +3014,7 @@
             <a:fld id="{7CA65D26-67D5-4CD2-90EC-E629659F24B3}" type="datetime1">
               <a:rPr lang="en-US" smtClean="0"/>
               <a:pPr/>
-              <a:t>11/30/22</a:t>
+              <a:t>12/2/22</a:t>
             </a:fld>
             <a:endParaRPr lang="en-US" dirty="0"/>
           </a:p>
@@ -3811,7 +3811,7 @@
           <a:p>
             <a:fld id="{7BFB377E-53ED-FE4D-83F9-4165E39010D6}" type="datetimeFigureOut">
               <a:rPr lang="en-US" smtClean="0"/>
-              <a:t>11/30/22</a:t>
+              <a:t>12/2/22</a:t>
             </a:fld>
             <a:endParaRPr lang="en-US"/>
           </a:p>
@@ -6652,7 +6652,7 @@
           <a:p>
             <a:fld id="{7BFB377E-53ED-FE4D-83F9-4165E39010D6}" type="datetimeFigureOut">
               <a:rPr lang="en-US" smtClean="0"/>
-              <a:t>11/30/22</a:t>
+              <a:t>12/2/22</a:t>
             </a:fld>
             <a:endParaRPr lang="en-US"/>
           </a:p>
@@ -7579,7 +7579,7 @@
           <a:p>
             <a:fld id="{F1482167-8811-434F-A92E-FCD7829DA7CB}" type="datetime1">
               <a:rPr lang="en-US" smtClean="0"/>
-              <a:t>11/30/22</a:t>
+              <a:t>12/2/22</a:t>
             </a:fld>
             <a:endParaRPr lang="en-US"/>
           </a:p>
@@ -7692,7 +7692,7 @@
           <a:p>
             <a:fld id="{E0DDE3D8-06A1-5448-8966-288515773649}" type="datetime1">
               <a:rPr lang="en-US" smtClean="0"/>
-              <a:t>11/30/22</a:t>
+              <a:t>12/2/22</a:t>
             </a:fld>
             <a:endParaRPr lang="en-US"/>
           </a:p>
@@ -8094,7 +8094,7 @@
           <a:p>
             <a:fld id="{7BFB377E-53ED-FE4D-83F9-4165E39010D6}" type="datetimeFigureOut">
               <a:rPr lang="en-US" smtClean="0"/>
-              <a:t>11/30/22</a:t>
+              <a:t>12/2/22</a:t>
             </a:fld>
             <a:endParaRPr lang="en-US"/>
           </a:p>
@@ -8506,7 +8506,7 @@
           <a:p>
             <a:fld id="{7BFB377E-53ED-FE4D-83F9-4165E39010D6}" type="datetimeFigureOut">
               <a:rPr lang="en-US" smtClean="0"/>
-              <a:t>11/30/22</a:t>
+              <a:t>12/2/22</a:t>
             </a:fld>
             <a:endParaRPr lang="en-US"/>
           </a:p>
@@ -8647,7 +8647,7 @@
           <a:p>
             <a:fld id="{7BFB377E-53ED-FE4D-83F9-4165E39010D6}" type="datetimeFigureOut">
               <a:rPr lang="en-US" smtClean="0"/>
-              <a:t>11/30/22</a:t>
+              <a:t>12/2/22</a:t>
             </a:fld>
             <a:endParaRPr lang="en-US"/>
           </a:p>
@@ -8760,7 +8760,7 @@
           <a:p>
             <a:fld id="{7BFB377E-53ED-FE4D-83F9-4165E39010D6}" type="datetimeFigureOut">
               <a:rPr lang="en-US" smtClean="0"/>
-              <a:t>11/30/22</a:t>
+              <a:t>12/2/22</a:t>
             </a:fld>
             <a:endParaRPr lang="en-US"/>
           </a:p>
@@ -9071,7 +9071,7 @@
           <a:p>
             <a:fld id="{7BFB377E-53ED-FE4D-83F9-4165E39010D6}" type="datetimeFigureOut">
               <a:rPr lang="en-US" smtClean="0"/>
-              <a:t>11/30/22</a:t>
+              <a:t>12/2/22</a:t>
             </a:fld>
             <a:endParaRPr lang="en-US"/>
           </a:p>
@@ -9359,7 +9359,7 @@
           <a:p>
             <a:fld id="{7BFB377E-53ED-FE4D-83F9-4165E39010D6}" type="datetimeFigureOut">
               <a:rPr lang="en-US" smtClean="0"/>
-              <a:t>11/30/22</a:t>
+              <a:t>12/2/22</a:t>
             </a:fld>
             <a:endParaRPr lang="en-US"/>
           </a:p>
@@ -9600,7 +9600,7 @@
           <a:p>
             <a:fld id="{7BFB377E-53ED-FE4D-83F9-4165E39010D6}" type="datetimeFigureOut">
               <a:rPr lang="en-US" smtClean="0"/>
-              <a:t>11/30/22</a:t>
+              <a:t>12/2/22</a:t>
             </a:fld>
             <a:endParaRPr lang="en-US"/>
           </a:p>
@@ -12632,7 +12632,7 @@
           <a:p>
             <a:r>
               <a:rPr lang="en-US" sz="2000" i="1" dirty="0"/>
-              <a:t>You should always use a clustering statistics to help you identify patterns in your data.</a:t>
+              <a:t>You should use clustering statistics and dendrograms to help you identify patterns in your data.</a:t>
             </a:r>
           </a:p>
         </p:txBody>
